--- a/2021/apresentação.pptx
+++ b/2021/apresentação.pptx
@@ -29481,6 +29481,58 @@
           <a:chExt cx="0" cy="0"/>
         </a:xfrm>
       </p:grpSpPr>
+      <p:pic>
+        <p:nvPicPr>
+          <p:cNvPr id="4" name="Imagem 3" descr="Código QR&#10;&#10;Descrição gerada automaticamente">
+            <a:extLst>
+              <a:ext uri="{FF2B5EF4-FFF2-40B4-BE49-F238E27FC236}">
+                <a16:creationId xmlns:a16="http://schemas.microsoft.com/office/drawing/2014/main" id="{C6EFDB5A-5E88-454F-9EA9-0E7FC9DF7DEA}"/>
+              </a:ext>
+            </a:extLst>
+          </p:cNvPr>
+          <p:cNvPicPr>
+            <a:picLocks noChangeAspect="1"/>
+          </p:cNvPicPr>
+          <p:nvPr/>
+        </p:nvPicPr>
+        <p:blipFill>
+          <a:blip r:embed="rId2">
+            <a:extLst>
+              <a:ext uri="{28A0092B-C50C-407E-A947-70E740481C1C}">
+                <a14:useLocalDpi xmlns:a14="http://schemas.microsoft.com/office/drawing/2010/main" val="0"/>
+              </a:ext>
+            </a:extLst>
+          </a:blip>
+          <a:stretch>
+            <a:fillRect/>
+          </a:stretch>
+        </p:blipFill>
+        <p:spPr>
+          <a:xfrm>
+            <a:off x="9995030" y="4734119"/>
+            <a:ext cx="1713334" cy="1713334"/>
+          </a:xfrm>
+          <a:prstGeom prst="round2DiagRect">
+            <a:avLst>
+              <a:gd name="adj1" fmla="val 16667"/>
+              <a:gd name="adj2" fmla="val 9796"/>
+            </a:avLst>
+          </a:prstGeom>
+          <a:ln w="88900" cap="sq">
+            <a:solidFill>
+              <a:srgbClr val="FFFFFF"/>
+            </a:solidFill>
+            <a:miter lim="800000"/>
+          </a:ln>
+          <a:effectLst>
+            <a:outerShdw blurRad="254000" algn="tl" rotWithShape="0">
+              <a:srgbClr val="000000">
+                <a:alpha val="43000"/>
+              </a:srgbClr>
+            </a:outerShdw>
+          </a:effectLst>
+        </p:spPr>
+      </p:pic>
     </p:spTree>
     <p:extLst>
       <p:ext uri="{BB962C8B-B14F-4D97-AF65-F5344CB8AC3E}">
@@ -29768,6 +29820,58 @@
           </a:p>
         </p:txBody>
       </p:sp>
+      <p:pic>
+        <p:nvPicPr>
+          <p:cNvPr id="8" name="Imagem 7" descr="Código QR&#10;&#10;Descrição gerada automaticamente">
+            <a:extLst>
+              <a:ext uri="{FF2B5EF4-FFF2-40B4-BE49-F238E27FC236}">
+                <a16:creationId xmlns:a16="http://schemas.microsoft.com/office/drawing/2014/main" id="{93C03A0C-CD9F-4FFF-B112-4CF73EDD12E0}"/>
+              </a:ext>
+            </a:extLst>
+          </p:cNvPr>
+          <p:cNvPicPr>
+            <a:picLocks noChangeAspect="1"/>
+          </p:cNvPicPr>
+          <p:nvPr/>
+        </p:nvPicPr>
+        <p:blipFill>
+          <a:blip r:embed="rId5">
+            <a:extLst>
+              <a:ext uri="{28A0092B-C50C-407E-A947-70E740481C1C}">
+                <a14:useLocalDpi xmlns:a14="http://schemas.microsoft.com/office/drawing/2010/main" val="0"/>
+              </a:ext>
+            </a:extLst>
+          </a:blip>
+          <a:stretch>
+            <a:fillRect/>
+          </a:stretch>
+        </p:blipFill>
+        <p:spPr>
+          <a:xfrm>
+            <a:off x="338311" y="4603491"/>
+            <a:ext cx="1713334" cy="1713334"/>
+          </a:xfrm>
+          <a:prstGeom prst="round2DiagRect">
+            <a:avLst>
+              <a:gd name="adj1" fmla="val 16667"/>
+              <a:gd name="adj2" fmla="val 9796"/>
+            </a:avLst>
+          </a:prstGeom>
+          <a:ln w="88900" cap="sq">
+            <a:solidFill>
+              <a:srgbClr val="FFFFFF"/>
+            </a:solidFill>
+            <a:miter lim="800000"/>
+          </a:ln>
+          <a:effectLst>
+            <a:outerShdw blurRad="254000" algn="tl" rotWithShape="0">
+              <a:srgbClr val="000000">
+                <a:alpha val="43000"/>
+              </a:srgbClr>
+            </a:outerShdw>
+          </a:effectLst>
+        </p:spPr>
+      </p:pic>
     </p:spTree>
     <p:extLst>
       <p:ext uri="{BB962C8B-B14F-4D97-AF65-F5344CB8AC3E}">
@@ -29810,6 +29914,58 @@
           <a:chExt cx="0" cy="0"/>
         </a:xfrm>
       </p:grpSpPr>
+      <p:pic>
+        <p:nvPicPr>
+          <p:cNvPr id="2" name="Imagem 1" descr="Código QR&#10;&#10;Descrição gerada automaticamente">
+            <a:extLst>
+              <a:ext uri="{FF2B5EF4-FFF2-40B4-BE49-F238E27FC236}">
+                <a16:creationId xmlns:a16="http://schemas.microsoft.com/office/drawing/2014/main" id="{AF88041B-1C77-4962-BE3F-A7144BFF390A}"/>
+              </a:ext>
+            </a:extLst>
+          </p:cNvPr>
+          <p:cNvPicPr>
+            <a:picLocks noChangeAspect="1"/>
+          </p:cNvPicPr>
+          <p:nvPr/>
+        </p:nvPicPr>
+        <p:blipFill>
+          <a:blip r:embed="rId2">
+            <a:extLst>
+              <a:ext uri="{28A0092B-C50C-407E-A947-70E740481C1C}">
+                <a14:useLocalDpi xmlns:a14="http://schemas.microsoft.com/office/drawing/2010/main" val="0"/>
+              </a:ext>
+            </a:extLst>
+          </a:blip>
+          <a:stretch>
+            <a:fillRect/>
+          </a:stretch>
+        </p:blipFill>
+        <p:spPr>
+          <a:xfrm>
+            <a:off x="393830" y="311409"/>
+            <a:ext cx="1713334" cy="1713334"/>
+          </a:xfrm>
+          <a:prstGeom prst="round2DiagRect">
+            <a:avLst>
+              <a:gd name="adj1" fmla="val 16667"/>
+              <a:gd name="adj2" fmla="val 9796"/>
+            </a:avLst>
+          </a:prstGeom>
+          <a:ln w="88900" cap="sq">
+            <a:solidFill>
+              <a:srgbClr val="FFFFFF"/>
+            </a:solidFill>
+            <a:miter lim="800000"/>
+          </a:ln>
+          <a:effectLst>
+            <a:outerShdw blurRad="254000" algn="tl" rotWithShape="0">
+              <a:srgbClr val="000000">
+                <a:alpha val="43000"/>
+              </a:srgbClr>
+            </a:outerShdw>
+          </a:effectLst>
+        </p:spPr>
+      </p:pic>
     </p:spTree>
     <p:extLst>
       <p:ext uri="{BB962C8B-B14F-4D97-AF65-F5344CB8AC3E}">
